--- a/Kubernetes Workshop.pptx
+++ b/Kubernetes Workshop.pptx
@@ -124,6 +124,11 @@
       </a:defRPr>
     </a:lvl9pPr>
   </p:defaultTextStyle>
+  <p:extLst>
+    <p:ext uri="{EFAFB233-063F-42B5-8137-9DF3F51BA10A}">
+      <p15:sldGuideLst xmlns:p15="http://schemas.microsoft.com/office/powerpoint/2012/main"/>
+    </p:ext>
+  </p:extLst>
 </p:presentation>
 </file>
 
@@ -222,7 +227,7 @@
           <a:effectLst/>
           <a:extLst>
             <a:ext uri="{91240B29-F687-4f45-9708-019B960494DF}">
-              <a14:hiddenLine xmlns:a14="http://schemas.microsoft.com/office/drawing/2010/main" xmlns="" w="9525">
+              <a14:hiddenLine xmlns="" xmlns:a14="http://schemas.microsoft.com/office/drawing/2010/main" w="9525">
                 <a:solidFill>
                   <a:srgbClr val="000000"/>
                 </a:solidFill>
@@ -1744,7 +1749,7 @@
           <a:ln/>
           <a:extLst>
             <a:ext uri="{91240B29-F687-4f45-9708-019B960494DF}">
-              <a14:hiddenLine xmlns:a14="http://schemas.microsoft.com/office/drawing/2010/main" xmlns="" w="9525">
+              <a14:hiddenLine xmlns="" xmlns:a14="http://schemas.microsoft.com/office/drawing/2010/main" w="9525">
                 <a:solidFill>
                   <a:srgbClr val="000000"/>
                 </a:solidFill>
@@ -2019,7 +2024,7 @@
           <a:ln/>
           <a:extLst>
             <a:ext uri="{91240B29-F687-4f45-9708-019B960494DF}">
-              <a14:hiddenLine xmlns:a14="http://schemas.microsoft.com/office/drawing/2010/main" xmlns="" w="9525">
+              <a14:hiddenLine xmlns="" xmlns:a14="http://schemas.microsoft.com/office/drawing/2010/main" w="9525">
                 <a:solidFill>
                   <a:srgbClr val="000000"/>
                 </a:solidFill>
@@ -2302,7 +2307,7 @@
           <a:ln/>
           <a:extLst>
             <a:ext uri="{91240B29-F687-4f45-9708-019B960494DF}">
-              <a14:hiddenLine xmlns:a14="http://schemas.microsoft.com/office/drawing/2010/main" xmlns="" w="9525">
+              <a14:hiddenLine xmlns="" xmlns:a14="http://schemas.microsoft.com/office/drawing/2010/main" w="9525">
                 <a:solidFill>
                   <a:srgbClr val="000000"/>
                 </a:solidFill>
@@ -2928,7 +2933,7 @@
           <a:ln/>
           <a:extLst>
             <a:ext uri="{91240B29-F687-4f45-9708-019B960494DF}">
-              <a14:hiddenLine xmlns:a14="http://schemas.microsoft.com/office/drawing/2010/main" xmlns="" w="9525">
+              <a14:hiddenLine xmlns="" xmlns:a14="http://schemas.microsoft.com/office/drawing/2010/main" w="9525">
                 <a:solidFill>
                   <a:srgbClr val="000000"/>
                 </a:solidFill>
@@ -3267,7 +3272,7 @@
           <a:ln/>
           <a:extLst>
             <a:ext uri="{91240B29-F687-4f45-9708-019B960494DF}">
-              <a14:hiddenLine xmlns:a14="http://schemas.microsoft.com/office/drawing/2010/main" xmlns="" w="9525">
+              <a14:hiddenLine xmlns="" xmlns:a14="http://schemas.microsoft.com/office/drawing/2010/main" w="9525">
                 <a:solidFill>
                   <a:srgbClr val="000000"/>
                 </a:solidFill>
@@ -3744,7 +3749,7 @@
           <a:ln/>
           <a:extLst>
             <a:ext uri="{91240B29-F687-4f45-9708-019B960494DF}">
-              <a14:hiddenLine xmlns:a14="http://schemas.microsoft.com/office/drawing/2010/main" xmlns="" w="9525">
+              <a14:hiddenLine xmlns="" xmlns:a14="http://schemas.microsoft.com/office/drawing/2010/main" w="9525">
                 <a:solidFill>
                   <a:srgbClr val="000000"/>
                 </a:solidFill>
@@ -4173,7 +4178,7 @@
           <a:ln/>
           <a:extLst>
             <a:ext uri="{91240B29-F687-4f45-9708-019B960494DF}">
-              <a14:hiddenLine xmlns:a14="http://schemas.microsoft.com/office/drawing/2010/main" xmlns="" w="9525">
+              <a14:hiddenLine xmlns="" xmlns:a14="http://schemas.microsoft.com/office/drawing/2010/main" w="9525">
                 <a:solidFill>
                   <a:srgbClr val="000000"/>
                 </a:solidFill>
@@ -7251,12 +7256,14 @@
         </p:nvSpPr>
         <p:spPr>
           <a:xfrm>
-            <a:off x="629054" y="3554976"/>
-            <a:ext cx="10933890" cy="2194071"/>
+            <a:off x="204281" y="3554976"/>
+            <a:ext cx="11358663" cy="3079288"/>
           </a:xfrm>
         </p:spPr>
         <p:txBody>
-          <a:bodyPr/>
+          <a:bodyPr>
+            <a:noAutofit/>
+          </a:bodyPr>
           <a:lstStyle/>
           <a:p>
             <a:pPr marL="0" indent="0">
@@ -7380,9 +7387,69 @@
               <a:t>:/proxy/</a:t>
             </a:r>
             <a:br>
-              <a:rPr lang="en-US" dirty="0"/>
+              <a:rPr lang="en-US" sz="1400" dirty="0"/>
             </a:br>
-            <a:endParaRPr lang="en-US" dirty="0"/>
+            <a:endParaRPr lang="en-US" sz="1400" dirty="0"/>
+          </a:p>
+          <a:p>
+            <a:pPr marL="0" indent="0">
+              <a:buNone/>
+            </a:pPr>
+            <a:r>
+              <a:rPr lang="en-US" sz="1400" dirty="0"/>
+              <a:t># make k8s-gui-down</a:t>
+            </a:r>
+            <a:br>
+              <a:rPr lang="en-US" sz="1400" dirty="0"/>
+            </a:br>
+            <a:r>
+              <a:rPr lang="en-US" sz="1400" dirty="0"/>
+              <a:t>k8s-gui-down:</a:t>
+            </a:r>
+            <a:br>
+              <a:rPr lang="en-US" sz="1400" dirty="0"/>
+            </a:br>
+            <a:r>
+              <a:rPr lang="en-US" sz="1400" dirty="0"/>
+              <a:t>    </a:t>
+            </a:r>
+            <a:r>
+              <a:rPr lang="en-US" sz="1400" dirty="0" err="1"/>
+              <a:t>kubectl</a:t>
+            </a:r>
+            <a:r>
+              <a:rPr lang="en-US" sz="1400" dirty="0"/>
+              <a:t> delete -f https://</a:t>
+            </a:r>
+            <a:r>
+              <a:rPr lang="en-US" sz="1400" dirty="0" err="1"/>
+              <a:t>raw.githubusercontent.com</a:t>
+            </a:r>
+            <a:r>
+              <a:rPr lang="en-US" sz="1400" dirty="0"/>
+              <a:t>/</a:t>
+            </a:r>
+            <a:r>
+              <a:rPr lang="en-US" sz="1400" dirty="0" err="1"/>
+              <a:t>kubernetes</a:t>
+            </a:r>
+            <a:r>
+              <a:rPr lang="en-US" sz="1400" dirty="0"/>
+              <a:t>/dashboard/v2.0.0-beta1/</a:t>
+            </a:r>
+            <a:r>
+              <a:rPr lang="en-US" sz="1400" dirty="0" err="1"/>
+              <a:t>aio</a:t>
+            </a:r>
+            <a:r>
+              <a:rPr lang="en-US" sz="1400" dirty="0"/>
+              <a:t>/deploy/</a:t>
+            </a:r>
+            <a:r>
+              <a:rPr lang="en-US" sz="1400" dirty="0" err="1"/>
+              <a:t>recommended.yaml</a:t>
+            </a:r>
+            <a:endParaRPr lang="en-US" sz="1400" dirty="0"/>
           </a:p>
         </p:txBody>
       </p:sp>

--- a/Kubernetes Workshop.pptx
+++ b/Kubernetes Workshop.pptx
@@ -227,7 +227,7 @@
           <a:effectLst/>
           <a:extLst>
             <a:ext uri="{91240B29-F687-4f45-9708-019B960494DF}">
-              <a14:hiddenLine xmlns="" xmlns:a14="http://schemas.microsoft.com/office/drawing/2010/main" w="9525">
+              <a14:hiddenLine xmlns:a14="http://schemas.microsoft.com/office/drawing/2010/main" xmlns="" w="9525">
                 <a:solidFill>
                   <a:srgbClr val="000000"/>
                 </a:solidFill>
@@ -419,7 +419,7 @@
           <a:p>
             <a:fld id="{BF54CD6A-D55F-4443-A30F-D69620C22FA3}" type="datetimeFigureOut">
               <a:rPr lang="en-US" smtClean="0"/>
-              <a:t>9/24/19</a:t>
+              <a:t>11/29/19</a:t>
             </a:fld>
             <a:endParaRPr lang="en-US"/>
           </a:p>
@@ -737,7 +737,7 @@
           <a:p>
             <a:fld id="{BF54CD6A-D55F-4443-A30F-D69620C22FA3}" type="datetimeFigureOut">
               <a:rPr lang="en-US" smtClean="0"/>
-              <a:t>9/24/19</a:t>
+              <a:t>11/29/19</a:t>
             </a:fld>
             <a:endParaRPr lang="en-US"/>
           </a:p>
@@ -1225,7 +1225,7 @@
           <a:p>
             <a:fld id="{BF54CD6A-D55F-4443-A30F-D69620C22FA3}" type="datetimeFigureOut">
               <a:rPr lang="en-US" smtClean="0"/>
-              <a:t>9/24/19</a:t>
+              <a:t>11/29/19</a:t>
             </a:fld>
             <a:endParaRPr lang="en-US"/>
           </a:p>
@@ -1594,7 +1594,7 @@
           <a:p>
             <a:fld id="{BF54CD6A-D55F-4443-A30F-D69620C22FA3}" type="datetimeFigureOut">
               <a:rPr lang="en-US" smtClean="0"/>
-              <a:t>9/24/19</a:t>
+              <a:t>11/29/19</a:t>
             </a:fld>
             <a:endParaRPr lang="en-US"/>
           </a:p>
@@ -1749,7 +1749,7 @@
           <a:ln/>
           <a:extLst>
             <a:ext uri="{91240B29-F687-4f45-9708-019B960494DF}">
-              <a14:hiddenLine xmlns="" xmlns:a14="http://schemas.microsoft.com/office/drawing/2010/main" w="9525">
+              <a14:hiddenLine xmlns:a14="http://schemas.microsoft.com/office/drawing/2010/main" xmlns="" w="9525">
                 <a:solidFill>
                   <a:srgbClr val="000000"/>
                 </a:solidFill>
@@ -1867,7 +1867,7 @@
           <a:p>
             <a:fld id="{BF54CD6A-D55F-4443-A30F-D69620C22FA3}" type="datetimeFigureOut">
               <a:rPr lang="en-US" smtClean="0"/>
-              <a:t>9/24/19</a:t>
+              <a:t>11/29/19</a:t>
             </a:fld>
             <a:endParaRPr lang="en-US"/>
           </a:p>
@@ -2024,7 +2024,7 @@
           <a:ln/>
           <a:extLst>
             <a:ext uri="{91240B29-F687-4f45-9708-019B960494DF}">
-              <a14:hiddenLine xmlns="" xmlns:a14="http://schemas.microsoft.com/office/drawing/2010/main" w="9525">
+              <a14:hiddenLine xmlns:a14="http://schemas.microsoft.com/office/drawing/2010/main" xmlns="" w="9525">
                 <a:solidFill>
                   <a:srgbClr val="000000"/>
                 </a:solidFill>
@@ -2152,7 +2152,7 @@
           <a:p>
             <a:fld id="{BF54CD6A-D55F-4443-A30F-D69620C22FA3}" type="datetimeFigureOut">
               <a:rPr lang="en-US" smtClean="0"/>
-              <a:t>9/24/19</a:t>
+              <a:t>11/29/19</a:t>
             </a:fld>
             <a:endParaRPr lang="en-US"/>
           </a:p>
@@ -2307,7 +2307,7 @@
           <a:ln/>
           <a:extLst>
             <a:ext uri="{91240B29-F687-4f45-9708-019B960494DF}">
-              <a14:hiddenLine xmlns="" xmlns:a14="http://schemas.microsoft.com/office/drawing/2010/main" w="9525">
+              <a14:hiddenLine xmlns:a14="http://schemas.microsoft.com/office/drawing/2010/main" xmlns="" w="9525">
                 <a:solidFill>
                   <a:srgbClr val="000000"/>
                 </a:solidFill>
@@ -2435,7 +2435,7 @@
           <a:p>
             <a:fld id="{BF54CD6A-D55F-4443-A30F-D69620C22FA3}" type="datetimeFigureOut">
               <a:rPr lang="en-US" smtClean="0"/>
-              <a:t>9/24/19</a:t>
+              <a:t>11/29/19</a:t>
             </a:fld>
             <a:endParaRPr lang="en-US"/>
           </a:p>
@@ -2778,7 +2778,7 @@
           <a:p>
             <a:fld id="{BF54CD6A-D55F-4443-A30F-D69620C22FA3}" type="datetimeFigureOut">
               <a:rPr lang="en-US" smtClean="0"/>
-              <a:t>9/24/19</a:t>
+              <a:t>11/29/19</a:t>
             </a:fld>
             <a:endParaRPr lang="en-US"/>
           </a:p>
@@ -2933,7 +2933,7 @@
           <a:ln/>
           <a:extLst>
             <a:ext uri="{91240B29-F687-4f45-9708-019B960494DF}">
-              <a14:hiddenLine xmlns="" xmlns:a14="http://schemas.microsoft.com/office/drawing/2010/main" w="9525">
+              <a14:hiddenLine xmlns:a14="http://schemas.microsoft.com/office/drawing/2010/main" xmlns="" w="9525">
                 <a:solidFill>
                   <a:srgbClr val="000000"/>
                 </a:solidFill>
@@ -3117,7 +3117,7 @@
           <a:p>
             <a:fld id="{BF54CD6A-D55F-4443-A30F-D69620C22FA3}" type="datetimeFigureOut">
               <a:rPr lang="en-US" smtClean="0"/>
-              <a:t>9/24/19</a:t>
+              <a:t>11/29/19</a:t>
             </a:fld>
             <a:endParaRPr lang="en-US"/>
           </a:p>
@@ -3272,7 +3272,7 @@
           <a:ln/>
           <a:extLst>
             <a:ext uri="{91240B29-F687-4f45-9708-019B960494DF}">
-              <a14:hiddenLine xmlns="" xmlns:a14="http://schemas.microsoft.com/office/drawing/2010/main" w="9525">
+              <a14:hiddenLine xmlns:a14="http://schemas.microsoft.com/office/drawing/2010/main" xmlns="" w="9525">
                 <a:solidFill>
                   <a:srgbClr val="000000"/>
                 </a:solidFill>
@@ -3594,7 +3594,7 @@
           <a:p>
             <a:fld id="{BF54CD6A-D55F-4443-A30F-D69620C22FA3}" type="datetimeFigureOut">
               <a:rPr lang="en-US" smtClean="0"/>
-              <a:t>9/24/19</a:t>
+              <a:t>11/29/19</a:t>
             </a:fld>
             <a:endParaRPr lang="en-US"/>
           </a:p>
@@ -3749,7 +3749,7 @@
           <a:ln/>
           <a:extLst>
             <a:ext uri="{91240B29-F687-4f45-9708-019B960494DF}">
-              <a14:hiddenLine xmlns="" xmlns:a14="http://schemas.microsoft.com/office/drawing/2010/main" w="9525">
+              <a14:hiddenLine xmlns:a14="http://schemas.microsoft.com/office/drawing/2010/main" xmlns="" w="9525">
                 <a:solidFill>
                   <a:srgbClr val="000000"/>
                 </a:solidFill>
@@ -3815,7 +3815,7 @@
           <a:p>
             <a:fld id="{BF54CD6A-D55F-4443-A30F-D69620C22FA3}" type="datetimeFigureOut">
               <a:rPr lang="en-US" smtClean="0"/>
-              <a:t>9/24/19</a:t>
+              <a:t>11/29/19</a:t>
             </a:fld>
             <a:endParaRPr lang="en-US"/>
           </a:p>
@@ -3910,7 +3910,7 @@
           <a:p>
             <a:fld id="{BF54CD6A-D55F-4443-A30F-D69620C22FA3}" type="datetimeFigureOut">
               <a:rPr lang="en-US" smtClean="0"/>
-              <a:t>9/24/19</a:t>
+              <a:t>11/29/19</a:t>
             </a:fld>
             <a:endParaRPr lang="en-US"/>
           </a:p>
@@ -4178,7 +4178,7 @@
           <a:ln/>
           <a:extLst>
             <a:ext uri="{91240B29-F687-4f45-9708-019B960494DF}">
-              <a14:hiddenLine xmlns="" xmlns:a14="http://schemas.microsoft.com/office/drawing/2010/main" w="9525">
+              <a14:hiddenLine xmlns:a14="http://schemas.microsoft.com/office/drawing/2010/main" xmlns="" w="9525">
                 <a:solidFill>
                   <a:srgbClr val="000000"/>
                 </a:solidFill>
@@ -4377,7 +4377,7 @@
           <a:p>
             <a:fld id="{BF54CD6A-D55F-4443-A30F-D69620C22FA3}" type="datetimeFigureOut">
               <a:rPr lang="en-US" smtClean="0"/>
-              <a:t>9/24/19</a:t>
+              <a:t>11/29/19</a:t>
             </a:fld>
             <a:endParaRPr lang="en-US"/>
           </a:p>
@@ -4690,7 +4690,7 @@
           <a:p>
             <a:fld id="{BF54CD6A-D55F-4443-A30F-D69620C22FA3}" type="datetimeFigureOut">
               <a:rPr lang="en-US" smtClean="0"/>
-              <a:t>9/24/19</a:t>
+              <a:t>11/29/19</a:t>
             </a:fld>
             <a:endParaRPr lang="en-US"/>
           </a:p>
@@ -4960,7 +4960,7 @@
           <a:p>
             <a:fld id="{BF54CD6A-D55F-4443-A30F-D69620C22FA3}" type="datetimeFigureOut">
               <a:rPr lang="en-US" smtClean="0"/>
-              <a:t>9/24/19</a:t>
+              <a:t>11/29/19</a:t>
             </a:fld>
             <a:endParaRPr lang="en-US"/>
           </a:p>
@@ -5753,14 +5753,14 @@
             </a:pPr>
             <a:r>
               <a:rPr lang="en-US" i="1" dirty="0"/>
-              <a:t># make dc-app-up</a:t>
+              <a:t># make dc-graph-up</a:t>
             </a:r>
             <a:br>
               <a:rPr lang="en-US" i="1" dirty="0"/>
             </a:br>
             <a:r>
               <a:rPr lang="en-US" dirty="0"/>
-              <a:t>dc-app-up: dc-app-down</a:t>
+              <a:t>dc-graph-up: dc-graph-down</a:t>
             </a:r>
             <a:br>
               <a:rPr lang="en-US" dirty="0"/>
@@ -5804,14 +5804,14 @@
             </a:pPr>
             <a:r>
               <a:rPr lang="en-US" i="1" dirty="0"/>
-              <a:t># make dc-app-own</a:t>
+              <a:t># make dc-graph-down</a:t>
             </a:r>
             <a:br>
               <a:rPr lang="en-US" i="1" dirty="0"/>
             </a:br>
             <a:r>
               <a:rPr lang="en-US" dirty="0"/>
-              <a:t>dc-app-down:</a:t>
+              <a:t>dc-graph-down:</a:t>
             </a:r>
             <a:br>
               <a:rPr lang="en-US" dirty="0"/>
@@ -5972,7 +5972,7 @@
         </p:spPr>
         <p:txBody>
           <a:bodyPr>
-            <a:normAutofit fontScale="92500" lnSpcReduction="10000"/>
+            <a:normAutofit fontScale="92500"/>
           </a:bodyPr>
           <a:lstStyle/>
           <a:p>
@@ -5981,14 +5981,14 @@
             </a:pPr>
             <a:r>
               <a:rPr lang="en-US" i="1" dirty="0"/>
-              <a:t># make k8s-app-up</a:t>
+              <a:t># make k8s-graph-up</a:t>
             </a:r>
             <a:br>
               <a:rPr lang="en-US" i="1" dirty="0"/>
             </a:br>
             <a:r>
               <a:rPr lang="en-US" dirty="0"/>
-              <a:t>k8s-app-up: k8s-app-down k8s-app-build</a:t>
+              <a:t>k8s-graph-up: k8s-graph-down k8s-graph-build</a:t>
             </a:r>
             <a:br>
               <a:rPr lang="en-US" dirty="0"/>
@@ -6084,34 +6084,22 @@
             </a:pPr>
             <a:r>
               <a:rPr lang="en-US" i="1" dirty="0"/>
-              <a:t># make k8s-app-down</a:t>
+              <a:t># make k8s-graph-down</a:t>
             </a:r>
             <a:br>
               <a:rPr lang="en-US" i="1" dirty="0"/>
             </a:br>
             <a:r>
               <a:rPr lang="en-US" dirty="0"/>
-              <a:t>k8s-app-down:</a:t>
+              <a:t>k8s-graph-down:</a:t>
             </a:r>
             <a:br>
               <a:rPr lang="en-US" dirty="0"/>
             </a:br>
             <a:r>
               <a:rPr lang="en-US" dirty="0"/>
-              <a:t>   (helm delete </a:t>
-            </a:r>
-            <a:r>
-              <a:rPr lang="en-US" b="1" dirty="0"/>
-              <a:t>${PROJECT_NAME}</a:t>
-            </a:r>
-            <a:r>
-              <a:rPr lang="en-US" dirty="0"/>
-              <a:t> --purge || true)</a:t>
-            </a:r>
-            <a:br>
-              <a:rPr lang="en-US" dirty="0"/>
-            </a:br>
-            <a:endParaRPr lang="en-US" dirty="0"/>
+              <a:t>   (helm delete ${PROJECT_NAME} --purge || true) &amp;&gt; /dev/null</a:t>
+            </a:r>
           </a:p>
         </p:txBody>
       </p:sp>
@@ -6291,14 +6279,14 @@
             </a:pPr>
             <a:r>
               <a:rPr lang="en-US" i="1" dirty="0"/>
-              <a:t># make k8s-app-inspect</a:t>
+              <a:t># make k8s-graph-inspect</a:t>
             </a:r>
             <a:br>
               <a:rPr lang="en-US" i="1" dirty="0"/>
             </a:br>
             <a:r>
               <a:rPr lang="en-US" dirty="0"/>
-              <a:t>k8s-app-inspect:</a:t>
+              <a:t>k8s-graph-inspect:</a:t>
             </a:r>
             <a:br>
               <a:rPr lang="en-US" dirty="0"/>
@@ -6678,8 +6666,8 @@
         </p:nvSpPr>
         <p:spPr>
           <a:xfrm>
-            <a:off x="3746738" y="3000501"/>
-            <a:ext cx="3675467" cy="1980062"/>
+            <a:off x="2675963" y="3027395"/>
+            <a:ext cx="6840071" cy="1980062"/>
           </a:xfrm>
         </p:spPr>
         <p:txBody>
@@ -6691,14 +6679,14 @@
             </a:pPr>
             <a:r>
               <a:rPr lang="en-US" i="1" dirty="0"/>
-              <a:t># make k8s-app-log</a:t>
+              <a:t># make k8s-graph-log</a:t>
             </a:r>
             <a:br>
               <a:rPr lang="en-US" i="1" dirty="0"/>
             </a:br>
             <a:r>
               <a:rPr lang="en-US" dirty="0"/>
-              <a:t>k8s-app-log:</a:t>
+              <a:t>k8s-graph-log:</a:t>
             </a:r>
             <a:br>
               <a:rPr lang="en-US" dirty="0"/>
@@ -6721,7 +6709,7 @@
             </a:r>
             <a:r>
               <a:rPr lang="en-US" dirty="0"/>
-              <a:t>.*" --regex</a:t>
+              <a:t>.*" --regex --namespace ${PROJECT_ENV}</a:t>
             </a:r>
           </a:p>
         </p:txBody>

--- a/Kubernetes Workshop.pptx
+++ b/Kubernetes Workshop.pptx
@@ -227,7 +227,7 @@
           <a:effectLst/>
           <a:extLst>
             <a:ext uri="{91240B29-F687-4f45-9708-019B960494DF}">
-              <a14:hiddenLine xmlns:a14="http://schemas.microsoft.com/office/drawing/2010/main" xmlns="" w="9525">
+              <a14:hiddenLine xmlns="" xmlns:a14="http://schemas.microsoft.com/office/drawing/2010/main" w="9525">
                 <a:solidFill>
                   <a:srgbClr val="000000"/>
                 </a:solidFill>
@@ -1749,7 +1749,7 @@
           <a:ln/>
           <a:extLst>
             <a:ext uri="{91240B29-F687-4f45-9708-019B960494DF}">
-              <a14:hiddenLine xmlns:a14="http://schemas.microsoft.com/office/drawing/2010/main" xmlns="" w="9525">
+              <a14:hiddenLine xmlns="" xmlns:a14="http://schemas.microsoft.com/office/drawing/2010/main" w="9525">
                 <a:solidFill>
                   <a:srgbClr val="000000"/>
                 </a:solidFill>
@@ -2024,7 +2024,7 @@
           <a:ln/>
           <a:extLst>
             <a:ext uri="{91240B29-F687-4f45-9708-019B960494DF}">
-              <a14:hiddenLine xmlns:a14="http://schemas.microsoft.com/office/drawing/2010/main" xmlns="" w="9525">
+              <a14:hiddenLine xmlns="" xmlns:a14="http://schemas.microsoft.com/office/drawing/2010/main" w="9525">
                 <a:solidFill>
                   <a:srgbClr val="000000"/>
                 </a:solidFill>
@@ -2307,7 +2307,7 @@
           <a:ln/>
           <a:extLst>
             <a:ext uri="{91240B29-F687-4f45-9708-019B960494DF}">
-              <a14:hiddenLine xmlns:a14="http://schemas.microsoft.com/office/drawing/2010/main" xmlns="" w="9525">
+              <a14:hiddenLine xmlns="" xmlns:a14="http://schemas.microsoft.com/office/drawing/2010/main" w="9525">
                 <a:solidFill>
                   <a:srgbClr val="000000"/>
                 </a:solidFill>
@@ -2933,7 +2933,7 @@
           <a:ln/>
           <a:extLst>
             <a:ext uri="{91240B29-F687-4f45-9708-019B960494DF}">
-              <a14:hiddenLine xmlns:a14="http://schemas.microsoft.com/office/drawing/2010/main" xmlns="" w="9525">
+              <a14:hiddenLine xmlns="" xmlns:a14="http://schemas.microsoft.com/office/drawing/2010/main" w="9525">
                 <a:solidFill>
                   <a:srgbClr val="000000"/>
                 </a:solidFill>
@@ -3272,7 +3272,7 @@
           <a:ln/>
           <a:extLst>
             <a:ext uri="{91240B29-F687-4f45-9708-019B960494DF}">
-              <a14:hiddenLine xmlns:a14="http://schemas.microsoft.com/office/drawing/2010/main" xmlns="" w="9525">
+              <a14:hiddenLine xmlns="" xmlns:a14="http://schemas.microsoft.com/office/drawing/2010/main" w="9525">
                 <a:solidFill>
                   <a:srgbClr val="000000"/>
                 </a:solidFill>
@@ -3749,7 +3749,7 @@
           <a:ln/>
           <a:extLst>
             <a:ext uri="{91240B29-F687-4f45-9708-019B960494DF}">
-              <a14:hiddenLine xmlns:a14="http://schemas.microsoft.com/office/drawing/2010/main" xmlns="" w="9525">
+              <a14:hiddenLine xmlns="" xmlns:a14="http://schemas.microsoft.com/office/drawing/2010/main" w="9525">
                 <a:solidFill>
                   <a:srgbClr val="000000"/>
                 </a:solidFill>
@@ -4178,7 +4178,7 @@
           <a:ln/>
           <a:extLst>
             <a:ext uri="{91240B29-F687-4f45-9708-019B960494DF}">
-              <a14:hiddenLine xmlns:a14="http://schemas.microsoft.com/office/drawing/2010/main" xmlns="" w="9525">
+              <a14:hiddenLine xmlns="" xmlns:a14="http://schemas.microsoft.com/office/drawing/2010/main" w="9525">
                 <a:solidFill>
                   <a:srgbClr val="000000"/>
                 </a:solidFill>
@@ -6805,7 +6805,7 @@
             </a:pPr>
             <a:r>
               <a:rPr lang="en-US" sz="1600" i="1" dirty="0"/>
-              <a:t># make k8s-create-admin</a:t>
+              <a:t># make k8s-admin-create</a:t>
             </a:r>
             <a:br>
               <a:rPr lang="en-US" sz="1600" i="1" dirty="0"/>
@@ -6816,7 +6816,7 @@
             </a:r>
             <a:r>
               <a:rPr lang="en-US" sz="1600" dirty="0"/>
-              <a:t>create-admin:</a:t>
+              <a:t>admin-create:</a:t>
             </a:r>
             <a:br>
               <a:rPr lang="en-US" sz="1600" dirty="0"/>
@@ -6896,7 +6896,7 @@
             </a:br>
             <a:r>
               <a:rPr lang="en-US" sz="1600" i="1" dirty="0"/>
-              <a:t># make k8s-show-admin-token</a:t>
+              <a:t># make k8s-admin-token</a:t>
             </a:r>
             <a:br>
               <a:rPr lang="en-US" sz="1600" i="1" dirty="0"/>
@@ -6907,7 +6907,7 @@
             </a:r>
             <a:r>
               <a:rPr lang="en-US" sz="1600" dirty="0"/>
-              <a:t>show-admin-token:</a:t>
+              <a:t>admin-token:</a:t>
             </a:r>
             <a:br>
               <a:rPr lang="en-US" sz="1600" dirty="0"/>
@@ -7998,7 +7998,7 @@
             </a:pPr>
             <a:r>
               <a:rPr lang="en-US" i="1" dirty="0"/>
-              <a:t># make k8s-create-namespace</a:t>
+              <a:t># make k8s-namespace-create</a:t>
             </a:r>
             <a:br>
               <a:rPr lang="en-US" i="1" dirty="0"/>
@@ -8009,7 +8009,7 @@
             </a:r>
             <a:r>
               <a:rPr lang="en-US" dirty="0"/>
-              <a:t>create-namespace:</a:t>
+              <a:t>namespace-create:</a:t>
             </a:r>
             <a:br>
               <a:rPr lang="en-US" dirty="0"/>
@@ -8510,14 +8510,14 @@
             </a:pPr>
             <a:r>
               <a:rPr lang="en-US" i="1" dirty="0"/>
-              <a:t># make k8s-app-build</a:t>
+              <a:t># make k8s-graph-build</a:t>
             </a:r>
             <a:br>
               <a:rPr lang="en-US" i="1" dirty="0"/>
             </a:br>
             <a:r>
               <a:rPr lang="en-US" dirty="0"/>
-              <a:t>k8s-app-build:</a:t>
+              <a:t>k8s-graph-build:</a:t>
             </a:r>
             <a:br>
               <a:rPr lang="en-US" dirty="0"/>

--- a/Kubernetes Workshop.pptx
+++ b/Kubernetes Workshop.pptx
@@ -227,7 +227,7 @@
           <a:effectLst/>
           <a:extLst>
             <a:ext uri="{91240B29-F687-4f45-9708-019B960494DF}">
-              <a14:hiddenLine xmlns="" xmlns:a14="http://schemas.microsoft.com/office/drawing/2010/main" w="9525">
+              <a14:hiddenLine xmlns:a14="http://schemas.microsoft.com/office/drawing/2010/main" xmlns="" w="9525">
                 <a:solidFill>
                   <a:srgbClr val="000000"/>
                 </a:solidFill>
@@ -1749,7 +1749,7 @@
           <a:ln/>
           <a:extLst>
             <a:ext uri="{91240B29-F687-4f45-9708-019B960494DF}">
-              <a14:hiddenLine xmlns="" xmlns:a14="http://schemas.microsoft.com/office/drawing/2010/main" w="9525">
+              <a14:hiddenLine xmlns:a14="http://schemas.microsoft.com/office/drawing/2010/main" xmlns="" w="9525">
                 <a:solidFill>
                   <a:srgbClr val="000000"/>
                 </a:solidFill>
@@ -2024,7 +2024,7 @@
           <a:ln/>
           <a:extLst>
             <a:ext uri="{91240B29-F687-4f45-9708-019B960494DF}">
-              <a14:hiddenLine xmlns="" xmlns:a14="http://schemas.microsoft.com/office/drawing/2010/main" w="9525">
+              <a14:hiddenLine xmlns:a14="http://schemas.microsoft.com/office/drawing/2010/main" xmlns="" w="9525">
                 <a:solidFill>
                   <a:srgbClr val="000000"/>
                 </a:solidFill>
@@ -2307,7 +2307,7 @@
           <a:ln/>
           <a:extLst>
             <a:ext uri="{91240B29-F687-4f45-9708-019B960494DF}">
-              <a14:hiddenLine xmlns="" xmlns:a14="http://schemas.microsoft.com/office/drawing/2010/main" w="9525">
+              <a14:hiddenLine xmlns:a14="http://schemas.microsoft.com/office/drawing/2010/main" xmlns="" w="9525">
                 <a:solidFill>
                   <a:srgbClr val="000000"/>
                 </a:solidFill>
@@ -2933,7 +2933,7 @@
           <a:ln/>
           <a:extLst>
             <a:ext uri="{91240B29-F687-4f45-9708-019B960494DF}">
-              <a14:hiddenLine xmlns="" xmlns:a14="http://schemas.microsoft.com/office/drawing/2010/main" w="9525">
+              <a14:hiddenLine xmlns:a14="http://schemas.microsoft.com/office/drawing/2010/main" xmlns="" w="9525">
                 <a:solidFill>
                   <a:srgbClr val="000000"/>
                 </a:solidFill>
@@ -3272,7 +3272,7 @@
           <a:ln/>
           <a:extLst>
             <a:ext uri="{91240B29-F687-4f45-9708-019B960494DF}">
-              <a14:hiddenLine xmlns="" xmlns:a14="http://schemas.microsoft.com/office/drawing/2010/main" w="9525">
+              <a14:hiddenLine xmlns:a14="http://schemas.microsoft.com/office/drawing/2010/main" xmlns="" w="9525">
                 <a:solidFill>
                   <a:srgbClr val="000000"/>
                 </a:solidFill>
@@ -3749,7 +3749,7 @@
           <a:ln/>
           <a:extLst>
             <a:ext uri="{91240B29-F687-4f45-9708-019B960494DF}">
-              <a14:hiddenLine xmlns="" xmlns:a14="http://schemas.microsoft.com/office/drawing/2010/main" w="9525">
+              <a14:hiddenLine xmlns:a14="http://schemas.microsoft.com/office/drawing/2010/main" xmlns="" w="9525">
                 <a:solidFill>
                   <a:srgbClr val="000000"/>
                 </a:solidFill>
@@ -4178,7 +4178,7 @@
           <a:ln/>
           <a:extLst>
             <a:ext uri="{91240B29-F687-4f45-9708-019B960494DF}">
-              <a14:hiddenLine xmlns="" xmlns:a14="http://schemas.microsoft.com/office/drawing/2010/main" w="9525">
+              <a14:hiddenLine xmlns:a14="http://schemas.microsoft.com/office/drawing/2010/main" xmlns="" w="9525">
                 <a:solidFill>
                   <a:srgbClr val="000000"/>
                 </a:solidFill>
@@ -7888,24 +7888,21 @@
             </a:r>
             <a:r>
               <a:rPr lang="en-US" dirty="0"/>
-              <a:t> --name </a:t>
+              <a:t> --namespace=</a:t>
+            </a:r>
+            <a:r>
+              <a:rPr lang="en-US" dirty="0" err="1"/>
+              <a:t>kube</a:t>
+            </a:r>
+            <a:r>
+              <a:rPr lang="en-US" dirty="0"/>
+              <a:t>-system --name </a:t>
             </a:r>
             <a:r>
               <a:rPr lang="en-US" dirty="0" err="1"/>
               <a:t>coredns</a:t>
             </a:r>
-            <a:r>
-              <a:rPr lang="en-US" dirty="0"/>
-              <a:t> --namespace=</a:t>
-            </a:r>
-            <a:r>
-              <a:rPr lang="en-US" dirty="0" err="1"/>
-              <a:t>kube</a:t>
-            </a:r>
-            <a:r>
-              <a:rPr lang="en-US" dirty="0"/>
-              <a:t>-system</a:t>
-            </a:r>
+            <a:endParaRPr lang="en-US" dirty="0"/>
           </a:p>
         </p:txBody>
       </p:sp>

--- a/Kubernetes Workshop.pptx
+++ b/Kubernetes Workshop.pptx
@@ -227,7 +227,7 @@
           <a:effectLst/>
           <a:extLst>
             <a:ext uri="{91240B29-F687-4f45-9708-019B960494DF}">
-              <a14:hiddenLine xmlns:a14="http://schemas.microsoft.com/office/drawing/2010/main" xmlns="" w="9525">
+              <a14:hiddenLine xmlns="" xmlns:a14="http://schemas.microsoft.com/office/drawing/2010/main" w="9525">
                 <a:solidFill>
                   <a:srgbClr val="000000"/>
                 </a:solidFill>
@@ -1749,7 +1749,7 @@
           <a:ln/>
           <a:extLst>
             <a:ext uri="{91240B29-F687-4f45-9708-019B960494DF}">
-              <a14:hiddenLine xmlns:a14="http://schemas.microsoft.com/office/drawing/2010/main" xmlns="" w="9525">
+              <a14:hiddenLine xmlns="" xmlns:a14="http://schemas.microsoft.com/office/drawing/2010/main" w="9525">
                 <a:solidFill>
                   <a:srgbClr val="000000"/>
                 </a:solidFill>
@@ -2024,7 +2024,7 @@
           <a:ln/>
           <a:extLst>
             <a:ext uri="{91240B29-F687-4f45-9708-019B960494DF}">
-              <a14:hiddenLine xmlns:a14="http://schemas.microsoft.com/office/drawing/2010/main" xmlns="" w="9525">
+              <a14:hiddenLine xmlns="" xmlns:a14="http://schemas.microsoft.com/office/drawing/2010/main" w="9525">
                 <a:solidFill>
                   <a:srgbClr val="000000"/>
                 </a:solidFill>
@@ -2307,7 +2307,7 @@
           <a:ln/>
           <a:extLst>
             <a:ext uri="{91240B29-F687-4f45-9708-019B960494DF}">
-              <a14:hiddenLine xmlns:a14="http://schemas.microsoft.com/office/drawing/2010/main" xmlns="" w="9525">
+              <a14:hiddenLine xmlns="" xmlns:a14="http://schemas.microsoft.com/office/drawing/2010/main" w="9525">
                 <a:solidFill>
                   <a:srgbClr val="000000"/>
                 </a:solidFill>
@@ -2933,7 +2933,7 @@
           <a:ln/>
           <a:extLst>
             <a:ext uri="{91240B29-F687-4f45-9708-019B960494DF}">
-              <a14:hiddenLine xmlns:a14="http://schemas.microsoft.com/office/drawing/2010/main" xmlns="" w="9525">
+              <a14:hiddenLine xmlns="" xmlns:a14="http://schemas.microsoft.com/office/drawing/2010/main" w="9525">
                 <a:solidFill>
                   <a:srgbClr val="000000"/>
                 </a:solidFill>
@@ -3272,7 +3272,7 @@
           <a:ln/>
           <a:extLst>
             <a:ext uri="{91240B29-F687-4f45-9708-019B960494DF}">
-              <a14:hiddenLine xmlns:a14="http://schemas.microsoft.com/office/drawing/2010/main" xmlns="" w="9525">
+              <a14:hiddenLine xmlns="" xmlns:a14="http://schemas.microsoft.com/office/drawing/2010/main" w="9525">
                 <a:solidFill>
                   <a:srgbClr val="000000"/>
                 </a:solidFill>
@@ -3749,7 +3749,7 @@
           <a:ln/>
           <a:extLst>
             <a:ext uri="{91240B29-F687-4f45-9708-019B960494DF}">
-              <a14:hiddenLine xmlns:a14="http://schemas.microsoft.com/office/drawing/2010/main" xmlns="" w="9525">
+              <a14:hiddenLine xmlns="" xmlns:a14="http://schemas.microsoft.com/office/drawing/2010/main" w="9525">
                 <a:solidFill>
                   <a:srgbClr val="000000"/>
                 </a:solidFill>
@@ -4178,7 +4178,7 @@
           <a:ln/>
           <a:extLst>
             <a:ext uri="{91240B29-F687-4f45-9708-019B960494DF}">
-              <a14:hiddenLine xmlns:a14="http://schemas.microsoft.com/office/drawing/2010/main" xmlns="" w="9525">
+              <a14:hiddenLine xmlns="" xmlns:a14="http://schemas.microsoft.com/office/drawing/2010/main" w="9525">
                 <a:solidFill>
                   <a:srgbClr val="000000"/>
                 </a:solidFill>
@@ -5753,14 +5753,14 @@
             </a:pPr>
             <a:r>
               <a:rPr lang="en-US" i="1" dirty="0"/>
-              <a:t># make dc-graph-up</a:t>
+              <a:t># make dc-graph-up-d</a:t>
             </a:r>
             <a:br>
               <a:rPr lang="en-US" i="1" dirty="0"/>
             </a:br>
             <a:r>
               <a:rPr lang="en-US" dirty="0"/>
-              <a:t>dc-graph-up: dc-graph-down</a:t>
+              <a:t>dc-graph-up-d: dc-graph-down</a:t>
             </a:r>
             <a:br>
               <a:rPr lang="en-US" dirty="0"/>
@@ -5791,7 +5791,7 @@
             </a:r>
             <a:r>
               <a:rPr lang="en-US" dirty="0"/>
-              <a:t> up</a:t>
+              <a:t> up -d</a:t>
             </a:r>
             <a:br>
               <a:rPr lang="en-US" dirty="0"/>
@@ -5981,14 +5981,14 @@
             </a:pPr>
             <a:r>
               <a:rPr lang="en-US" i="1" dirty="0"/>
-              <a:t># make k8s-graph-up</a:t>
+              <a:t># make k8s-graph-up-d</a:t>
             </a:r>
             <a:br>
               <a:rPr lang="en-US" i="1" dirty="0"/>
             </a:br>
             <a:r>
               <a:rPr lang="en-US" dirty="0"/>
-              <a:t>k8s-graph-up: k8s-graph-down k8s-graph-build</a:t>
+              <a:t>k8s-graph-up-d: k8s-graph-down k8s-graph-build</a:t>
             </a:r>
             <a:br>
               <a:rPr lang="en-US" dirty="0"/>

--- a/Kubernetes Workshop.pptx
+++ b/Kubernetes Workshop.pptx
@@ -227,7 +227,7 @@
           <a:effectLst/>
           <a:extLst>
             <a:ext uri="{91240B29-F687-4f45-9708-019B960494DF}">
-              <a14:hiddenLine xmlns="" xmlns:a14="http://schemas.microsoft.com/office/drawing/2010/main" w="9525">
+              <a14:hiddenLine xmlns:a14="http://schemas.microsoft.com/office/drawing/2010/main" xmlns="" w="9525">
                 <a:solidFill>
                   <a:srgbClr val="000000"/>
                 </a:solidFill>
@@ -419,7 +419,7 @@
           <a:p>
             <a:fld id="{BF54CD6A-D55F-4443-A30F-D69620C22FA3}" type="datetimeFigureOut">
               <a:rPr lang="en-US" smtClean="0"/>
-              <a:t>11/29/19</a:t>
+              <a:t>12/1/19</a:t>
             </a:fld>
             <a:endParaRPr lang="en-US"/>
           </a:p>
@@ -737,7 +737,7 @@
           <a:p>
             <a:fld id="{BF54CD6A-D55F-4443-A30F-D69620C22FA3}" type="datetimeFigureOut">
               <a:rPr lang="en-US" smtClean="0"/>
-              <a:t>11/29/19</a:t>
+              <a:t>12/1/19</a:t>
             </a:fld>
             <a:endParaRPr lang="en-US"/>
           </a:p>
@@ -1225,7 +1225,7 @@
           <a:p>
             <a:fld id="{BF54CD6A-D55F-4443-A30F-D69620C22FA3}" type="datetimeFigureOut">
               <a:rPr lang="en-US" smtClean="0"/>
-              <a:t>11/29/19</a:t>
+              <a:t>12/1/19</a:t>
             </a:fld>
             <a:endParaRPr lang="en-US"/>
           </a:p>
@@ -1594,7 +1594,7 @@
           <a:p>
             <a:fld id="{BF54CD6A-D55F-4443-A30F-D69620C22FA3}" type="datetimeFigureOut">
               <a:rPr lang="en-US" smtClean="0"/>
-              <a:t>11/29/19</a:t>
+              <a:t>12/1/19</a:t>
             </a:fld>
             <a:endParaRPr lang="en-US"/>
           </a:p>
@@ -1749,7 +1749,7 @@
           <a:ln/>
           <a:extLst>
             <a:ext uri="{91240B29-F687-4f45-9708-019B960494DF}">
-              <a14:hiddenLine xmlns="" xmlns:a14="http://schemas.microsoft.com/office/drawing/2010/main" w="9525">
+              <a14:hiddenLine xmlns:a14="http://schemas.microsoft.com/office/drawing/2010/main" xmlns="" w="9525">
                 <a:solidFill>
                   <a:srgbClr val="000000"/>
                 </a:solidFill>
@@ -1867,7 +1867,7 @@
           <a:p>
             <a:fld id="{BF54CD6A-D55F-4443-A30F-D69620C22FA3}" type="datetimeFigureOut">
               <a:rPr lang="en-US" smtClean="0"/>
-              <a:t>11/29/19</a:t>
+              <a:t>12/1/19</a:t>
             </a:fld>
             <a:endParaRPr lang="en-US"/>
           </a:p>
@@ -2024,7 +2024,7 @@
           <a:ln/>
           <a:extLst>
             <a:ext uri="{91240B29-F687-4f45-9708-019B960494DF}">
-              <a14:hiddenLine xmlns="" xmlns:a14="http://schemas.microsoft.com/office/drawing/2010/main" w="9525">
+              <a14:hiddenLine xmlns:a14="http://schemas.microsoft.com/office/drawing/2010/main" xmlns="" w="9525">
                 <a:solidFill>
                   <a:srgbClr val="000000"/>
                 </a:solidFill>
@@ -2152,7 +2152,7 @@
           <a:p>
             <a:fld id="{BF54CD6A-D55F-4443-A30F-D69620C22FA3}" type="datetimeFigureOut">
               <a:rPr lang="en-US" smtClean="0"/>
-              <a:t>11/29/19</a:t>
+              <a:t>12/1/19</a:t>
             </a:fld>
             <a:endParaRPr lang="en-US"/>
           </a:p>
@@ -2307,7 +2307,7 @@
           <a:ln/>
           <a:extLst>
             <a:ext uri="{91240B29-F687-4f45-9708-019B960494DF}">
-              <a14:hiddenLine xmlns="" xmlns:a14="http://schemas.microsoft.com/office/drawing/2010/main" w="9525">
+              <a14:hiddenLine xmlns:a14="http://schemas.microsoft.com/office/drawing/2010/main" xmlns="" w="9525">
                 <a:solidFill>
                   <a:srgbClr val="000000"/>
                 </a:solidFill>
@@ -2435,7 +2435,7 @@
           <a:p>
             <a:fld id="{BF54CD6A-D55F-4443-A30F-D69620C22FA3}" type="datetimeFigureOut">
               <a:rPr lang="en-US" smtClean="0"/>
-              <a:t>11/29/19</a:t>
+              <a:t>12/1/19</a:t>
             </a:fld>
             <a:endParaRPr lang="en-US"/>
           </a:p>
@@ -2778,7 +2778,7 @@
           <a:p>
             <a:fld id="{BF54CD6A-D55F-4443-A30F-D69620C22FA3}" type="datetimeFigureOut">
               <a:rPr lang="en-US" smtClean="0"/>
-              <a:t>11/29/19</a:t>
+              <a:t>12/1/19</a:t>
             </a:fld>
             <a:endParaRPr lang="en-US"/>
           </a:p>
@@ -2933,7 +2933,7 @@
           <a:ln/>
           <a:extLst>
             <a:ext uri="{91240B29-F687-4f45-9708-019B960494DF}">
-              <a14:hiddenLine xmlns="" xmlns:a14="http://schemas.microsoft.com/office/drawing/2010/main" w="9525">
+              <a14:hiddenLine xmlns:a14="http://schemas.microsoft.com/office/drawing/2010/main" xmlns="" w="9525">
                 <a:solidFill>
                   <a:srgbClr val="000000"/>
                 </a:solidFill>
@@ -3117,7 +3117,7 @@
           <a:p>
             <a:fld id="{BF54CD6A-D55F-4443-A30F-D69620C22FA3}" type="datetimeFigureOut">
               <a:rPr lang="en-US" smtClean="0"/>
-              <a:t>11/29/19</a:t>
+              <a:t>12/1/19</a:t>
             </a:fld>
             <a:endParaRPr lang="en-US"/>
           </a:p>
@@ -3272,7 +3272,7 @@
           <a:ln/>
           <a:extLst>
             <a:ext uri="{91240B29-F687-4f45-9708-019B960494DF}">
-              <a14:hiddenLine xmlns="" xmlns:a14="http://schemas.microsoft.com/office/drawing/2010/main" w="9525">
+              <a14:hiddenLine xmlns:a14="http://schemas.microsoft.com/office/drawing/2010/main" xmlns="" w="9525">
                 <a:solidFill>
                   <a:srgbClr val="000000"/>
                 </a:solidFill>
@@ -3594,7 +3594,7 @@
           <a:p>
             <a:fld id="{BF54CD6A-D55F-4443-A30F-D69620C22FA3}" type="datetimeFigureOut">
               <a:rPr lang="en-US" smtClean="0"/>
-              <a:t>11/29/19</a:t>
+              <a:t>12/1/19</a:t>
             </a:fld>
             <a:endParaRPr lang="en-US"/>
           </a:p>
@@ -3749,7 +3749,7 @@
           <a:ln/>
           <a:extLst>
             <a:ext uri="{91240B29-F687-4f45-9708-019B960494DF}">
-              <a14:hiddenLine xmlns="" xmlns:a14="http://schemas.microsoft.com/office/drawing/2010/main" w="9525">
+              <a14:hiddenLine xmlns:a14="http://schemas.microsoft.com/office/drawing/2010/main" xmlns="" w="9525">
                 <a:solidFill>
                   <a:srgbClr val="000000"/>
                 </a:solidFill>
@@ -3815,7 +3815,7 @@
           <a:p>
             <a:fld id="{BF54CD6A-D55F-4443-A30F-D69620C22FA3}" type="datetimeFigureOut">
               <a:rPr lang="en-US" smtClean="0"/>
-              <a:t>11/29/19</a:t>
+              <a:t>12/1/19</a:t>
             </a:fld>
             <a:endParaRPr lang="en-US"/>
           </a:p>
@@ -3910,7 +3910,7 @@
           <a:p>
             <a:fld id="{BF54CD6A-D55F-4443-A30F-D69620C22FA3}" type="datetimeFigureOut">
               <a:rPr lang="en-US" smtClean="0"/>
-              <a:t>11/29/19</a:t>
+              <a:t>12/1/19</a:t>
             </a:fld>
             <a:endParaRPr lang="en-US"/>
           </a:p>
@@ -4178,7 +4178,7 @@
           <a:ln/>
           <a:extLst>
             <a:ext uri="{91240B29-F687-4f45-9708-019B960494DF}">
-              <a14:hiddenLine xmlns="" xmlns:a14="http://schemas.microsoft.com/office/drawing/2010/main" w="9525">
+              <a14:hiddenLine xmlns:a14="http://schemas.microsoft.com/office/drawing/2010/main" xmlns="" w="9525">
                 <a:solidFill>
                   <a:srgbClr val="000000"/>
                 </a:solidFill>
@@ -4377,7 +4377,7 @@
           <a:p>
             <a:fld id="{BF54CD6A-D55F-4443-A30F-D69620C22FA3}" type="datetimeFigureOut">
               <a:rPr lang="en-US" smtClean="0"/>
-              <a:t>11/29/19</a:t>
+              <a:t>12/1/19</a:t>
             </a:fld>
             <a:endParaRPr lang="en-US"/>
           </a:p>
@@ -4690,7 +4690,7 @@
           <a:p>
             <a:fld id="{BF54CD6A-D55F-4443-A30F-D69620C22FA3}" type="datetimeFigureOut">
               <a:rPr lang="en-US" smtClean="0"/>
-              <a:t>11/29/19</a:t>
+              <a:t>12/1/19</a:t>
             </a:fld>
             <a:endParaRPr lang="en-US"/>
           </a:p>
@@ -4960,7 +4960,7 @@
           <a:p>
             <a:fld id="{BF54CD6A-D55F-4443-A30F-D69620C22FA3}" type="datetimeFigureOut">
               <a:rPr lang="en-US" smtClean="0"/>
-              <a:t>11/29/19</a:t>
+              <a:t>12/1/19</a:t>
             </a:fld>
             <a:endParaRPr lang="en-US"/>
           </a:p>
@@ -5753,14 +5753,14 @@
             </a:pPr>
             <a:r>
               <a:rPr lang="en-US" i="1" dirty="0"/>
-              <a:t># make dc-graph-up-d</a:t>
+              <a:t># make dc-graph-up</a:t>
             </a:r>
             <a:br>
               <a:rPr lang="en-US" i="1" dirty="0"/>
             </a:br>
             <a:r>
               <a:rPr lang="en-US" dirty="0"/>
-              <a:t>dc-graph-up-d: dc-graph-down</a:t>
+              <a:t>dc-graph-up: dc-graph-down</a:t>
             </a:r>
             <a:br>
               <a:rPr lang="en-US" dirty="0"/>
@@ -5791,7 +5791,7 @@
             </a:r>
             <a:r>
               <a:rPr lang="en-US" dirty="0"/>
-              <a:t> up -d</a:t>
+              <a:t> up</a:t>
             </a:r>
             <a:br>
               <a:rPr lang="en-US" dirty="0"/>
@@ -5981,14 +5981,14 @@
             </a:pPr>
             <a:r>
               <a:rPr lang="en-US" i="1" dirty="0"/>
-              <a:t># make k8s-graph-up-d</a:t>
+              <a:t># make k8s-graph-up</a:t>
             </a:r>
             <a:br>
               <a:rPr lang="en-US" i="1" dirty="0"/>
             </a:br>
             <a:r>
               <a:rPr lang="en-US" dirty="0"/>
-              <a:t>k8s-graph-up-d: k8s-graph-down k8s-graph-build</a:t>
+              <a:t>k8s-graph-up: k8s-graph-down k8s-graph-build</a:t>
             </a:r>
             <a:br>
               <a:rPr lang="en-US" dirty="0"/>
